--- a/instructors/01_OS-and-FAIR_v1.0.pptx
+++ b/instructors/01_OS-and-FAIR_v1.0.pptx
@@ -23,8 +23,8 @@
     <p:sldId id="333" r:id="rId14"/>
     <p:sldId id="312" r:id="rId15"/>
     <p:sldId id="313" r:id="rId16"/>
-    <p:sldId id="274" r:id="rId17"/>
-    <p:sldId id="257" r:id="rId18"/>
+    <p:sldId id="257" r:id="rId17"/>
+    <p:sldId id="274" r:id="rId18"/>
     <p:sldId id="336" r:id="rId19"/>
     <p:sldId id="337" r:id="rId20"/>
     <p:sldId id="279" r:id="rId21"/>
@@ -3145,7 +3145,7 @@
           <a:p>
             <a:fld id="{CC92CE42-142C-46E9-B5ED-4B7D239019FA}" type="datetimeFigureOut">
               <a:rPr lang="en-GB" smtClean="0"/>
-              <a:t>24/02/2024</a:t>
+              <a:t>25/02/2024</a:t>
             </a:fld>
             <a:endParaRPr lang="en-GB"/>
           </a:p>
@@ -3660,7 +3660,7 @@
             <a:fld id="{41BDB93A-9A91-4ACD-99A9-997668C686B7}" type="datetimeFigureOut">
               <a:rPr lang="en-GB" smtClean="0"/>
               <a:pPr/>
-              <a:t>24/02/2024</a:t>
+              <a:t>25/02/2024</a:t>
             </a:fld>
             <a:endParaRPr lang="en-GB"/>
           </a:p>
@@ -3924,7 +3924,7 @@
           <a:p>
             <a:fld id="{41BDB93A-9A91-4ACD-99A9-997668C686B7}" type="datetimeFigureOut">
               <a:rPr lang="en-GB" smtClean="0"/>
-              <a:t>24/02/2024</a:t>
+              <a:t>25/02/2024</a:t>
             </a:fld>
             <a:endParaRPr lang="en-GB"/>
           </a:p>
@@ -4134,7 +4134,7 @@
           <a:p>
             <a:fld id="{41BDB93A-9A91-4ACD-99A9-997668C686B7}" type="datetimeFigureOut">
               <a:rPr lang="en-GB" smtClean="0"/>
-              <a:t>24/02/2024</a:t>
+              <a:t>25/02/2024</a:t>
             </a:fld>
             <a:endParaRPr lang="en-GB"/>
           </a:p>
@@ -4527,7 +4527,7 @@
           <a:p>
             <a:fld id="{41BDB93A-9A91-4ACD-99A9-997668C686B7}" type="datetimeFigureOut">
               <a:rPr lang="en-GB" smtClean="0"/>
-              <a:t>24/02/2024</a:t>
+              <a:t>25/02/2024</a:t>
             </a:fld>
             <a:endParaRPr lang="en-GB"/>
           </a:p>
@@ -4803,7 +4803,7 @@
           <a:p>
             <a:fld id="{41BDB93A-9A91-4ACD-99A9-997668C686B7}" type="datetimeFigureOut">
               <a:rPr lang="en-GB" smtClean="0"/>
-              <a:t>24/02/2024</a:t>
+              <a:t>25/02/2024</a:t>
             </a:fld>
             <a:endParaRPr lang="en-GB"/>
           </a:p>
@@ -5071,7 +5071,7 @@
           <a:p>
             <a:fld id="{41BDB93A-9A91-4ACD-99A9-997668C686B7}" type="datetimeFigureOut">
               <a:rPr lang="en-GB" smtClean="0"/>
-              <a:t>24/02/2024</a:t>
+              <a:t>25/02/2024</a:t>
             </a:fld>
             <a:endParaRPr lang="en-GB"/>
           </a:p>
@@ -5486,7 +5486,7 @@
           <a:p>
             <a:fld id="{41BDB93A-9A91-4ACD-99A9-997668C686B7}" type="datetimeFigureOut">
               <a:rPr lang="en-GB" smtClean="0"/>
-              <a:t>24/02/2024</a:t>
+              <a:t>25/02/2024</a:t>
             </a:fld>
             <a:endParaRPr lang="en-GB"/>
           </a:p>
@@ -5628,7 +5628,7 @@
           <a:p>
             <a:fld id="{41BDB93A-9A91-4ACD-99A9-997668C686B7}" type="datetimeFigureOut">
               <a:rPr lang="en-GB" smtClean="0"/>
-              <a:t>24/02/2024</a:t>
+              <a:t>25/02/2024</a:t>
             </a:fld>
             <a:endParaRPr lang="en-GB"/>
           </a:p>
@@ -5741,7 +5741,7 @@
           <a:p>
             <a:fld id="{41BDB93A-9A91-4ACD-99A9-997668C686B7}" type="datetimeFigureOut">
               <a:rPr lang="en-GB" smtClean="0"/>
-              <a:t>24/02/2024</a:t>
+              <a:t>25/02/2024</a:t>
             </a:fld>
             <a:endParaRPr lang="en-GB"/>
           </a:p>
@@ -6054,7 +6054,7 @@
           <a:p>
             <a:fld id="{41BDB93A-9A91-4ACD-99A9-997668C686B7}" type="datetimeFigureOut">
               <a:rPr lang="en-GB" smtClean="0"/>
-              <a:t>24/02/2024</a:t>
+              <a:t>25/02/2024</a:t>
             </a:fld>
             <a:endParaRPr lang="en-GB"/>
           </a:p>
@@ -6343,7 +6343,7 @@
           <a:p>
             <a:fld id="{41BDB93A-9A91-4ACD-99A9-997668C686B7}" type="datetimeFigureOut">
               <a:rPr lang="en-GB" smtClean="0"/>
-              <a:t>24/02/2024</a:t>
+              <a:t>25/02/2024</a:t>
             </a:fld>
             <a:endParaRPr lang="en-GB"/>
           </a:p>
@@ -6585,7 +6585,7 @@
             <a:fld id="{41BDB93A-9A91-4ACD-99A9-997668C686B7}" type="datetimeFigureOut">
               <a:rPr lang="en-GB" smtClean="0"/>
               <a:pPr/>
-              <a:t>24/02/2024</a:t>
+              <a:t>25/02/2024</a:t>
             </a:fld>
             <a:endParaRPr lang="en-GB"/>
           </a:p>
@@ -8469,34 +8469,311 @@
         </p:nvSpPr>
         <p:spPr>
           <a:xfrm>
-            <a:off x="828261" y="2710759"/>
-            <a:ext cx="10515600" cy="1325563"/>
+            <a:off x="991694" y="435547"/>
+            <a:ext cx="5613822" cy="832285"/>
           </a:xfrm>
         </p:spPr>
         <p:txBody>
-          <a:bodyPr/>
+          <a:bodyPr anchor="b">
+            <a:normAutofit/>
+          </a:bodyPr>
           <a:lstStyle/>
           <a:p>
             <a:r>
-              <a:rPr lang="pl-PL">
-                <a:solidFill>
-                  <a:srgbClr val="0070C0"/>
-                </a:solidFill>
-              </a:rPr>
-              <a:t>But how (not) to share in practice</a:t>
-            </a:r>
-            <a:endParaRPr lang="en-GB">
-              <a:solidFill>
-                <a:srgbClr val="0070C0"/>
-              </a:solidFill>
-            </a:endParaRPr>
+              <a:rPr lang="en-GB" sz="4000" dirty="0"/>
+              <a:t>What data</a:t>
+            </a:r>
+            <a:r>
+              <a:rPr lang="pl-PL" sz="4000" dirty="0"/>
+              <a:t> to share</a:t>
+            </a:r>
+            <a:endParaRPr lang="en-GB" sz="4000" dirty="0"/>
           </a:p>
         </p:txBody>
       </p:sp>
+      <p:pic>
+        <p:nvPicPr>
+          <p:cNvPr id="9" name="Graphic 8" descr="Cmd Terminal outline">
+            <a:extLst>
+              <a:ext uri="{FF2B5EF4-FFF2-40B4-BE49-F238E27FC236}">
+                <a16:creationId xmlns:a16="http://schemas.microsoft.com/office/drawing/2014/main" id="{717637AA-34EE-CC49-820A-C3D9BE67B952}"/>
+              </a:ext>
+            </a:extLst>
+          </p:cNvPr>
+          <p:cNvPicPr>
+            <a:picLocks noChangeAspect="1"/>
+          </p:cNvPicPr>
+          <p:nvPr/>
+        </p:nvPicPr>
+        <p:blipFill>
+          <a:blip r:embed="rId2" cstate="hqprint">
+            <a:extLst>
+              <a:ext uri="{28A0092B-C50C-407E-A947-70E740481C1C}">
+                <a14:useLocalDpi xmlns:a14="http://schemas.microsoft.com/office/drawing/2010/main" val="0"/>
+              </a:ext>
+              <a:ext uri="{96DAC541-7B7A-43D3-8B79-37D633B846F1}">
+                <asvg:svgBlip xmlns:asvg="http://schemas.microsoft.com/office/drawing/2016/SVG/main" r:embed="rId3"/>
+              </a:ext>
+            </a:extLst>
+          </a:blip>
+          <a:stretch>
+            <a:fillRect/>
+          </a:stretch>
+        </p:blipFill>
+        <p:spPr>
+          <a:xfrm>
+            <a:off x="7542532" y="843530"/>
+            <a:ext cx="956572" cy="956572"/>
+          </a:xfrm>
+          <a:prstGeom prst="rect">
+            <a:avLst/>
+          </a:prstGeom>
+        </p:spPr>
+      </p:pic>
+      <p:sp>
+        <p:nvSpPr>
+          <p:cNvPr id="3" name="Content Placeholder 2">
+            <a:extLst>
+              <a:ext uri="{FF2B5EF4-FFF2-40B4-BE49-F238E27FC236}">
+                <a16:creationId xmlns:a16="http://schemas.microsoft.com/office/drawing/2014/main" id="{81C9C253-9151-4F30-875B-B69CD1772575}"/>
+              </a:ext>
+            </a:extLst>
+          </p:cNvPr>
+          <p:cNvSpPr>
+            <a:spLocks noGrp="1"/>
+          </p:cNvSpPr>
+          <p:nvPr>
+            <p:ph idx="1"/>
+          </p:nvPr>
+        </p:nvSpPr>
+        <p:spPr>
+          <a:xfrm>
+            <a:off x="991693" y="1267832"/>
+            <a:ext cx="5258180" cy="5154621"/>
+          </a:xfrm>
+        </p:spPr>
+        <p:txBody>
+          <a:bodyPr anchor="t">
+            <a:noAutofit/>
+          </a:bodyPr>
+          <a:lstStyle/>
+          <a:p>
+            <a:pPr marL="0" indent="0">
+              <a:lnSpc>
+                <a:spcPct val="120000"/>
+              </a:lnSpc>
+              <a:buNone/>
+            </a:pPr>
+            <a:r>
+              <a:rPr lang="en-GB" sz="1600" dirty="0"/>
+              <a:t>Data does not only mean Excel files with recorded measurements from a machine. </a:t>
+            </a:r>
+          </a:p>
+          <a:p>
+            <a:pPr marL="0" indent="0">
+              <a:lnSpc>
+                <a:spcPct val="120000"/>
+              </a:lnSpc>
+              <a:buNone/>
+            </a:pPr>
+            <a:r>
+              <a:rPr lang="en-GB" sz="1600" b="1" dirty="0"/>
+              <a:t>Data also includes:</a:t>
+            </a:r>
+          </a:p>
+          <a:p>
+            <a:pPr>
+              <a:lnSpc>
+                <a:spcPct val="120000"/>
+              </a:lnSpc>
+            </a:pPr>
+            <a:r>
+              <a:rPr lang="en-GB" sz="1600" dirty="0"/>
+              <a:t>Information about </a:t>
+            </a:r>
+            <a:r>
+              <a:rPr lang="pl-PL" sz="1600" dirty="0"/>
+              <a:t>biological</a:t>
+            </a:r>
+            <a:r>
+              <a:rPr lang="en-GB" sz="1600" dirty="0"/>
+              <a:t> samples:</a:t>
+            </a:r>
+            <a:endParaRPr lang="pl-PL" sz="1600" dirty="0"/>
+          </a:p>
+          <a:p>
+            <a:pPr lvl="1">
+              <a:lnSpc>
+                <a:spcPct val="100000"/>
+              </a:lnSpc>
+            </a:pPr>
+            <a:r>
+              <a:rPr lang="pl-PL" sz="1400" dirty="0"/>
+              <a:t>patient (ilness, demographic, sample type)</a:t>
+            </a:r>
+            <a:endParaRPr lang="en-GB" sz="1400" dirty="0"/>
+          </a:p>
+          <a:p>
+            <a:pPr lvl="1">
+              <a:lnSpc>
+                <a:spcPct val="100000"/>
+              </a:lnSpc>
+            </a:pPr>
+            <a:r>
+              <a:rPr lang="en-GB" sz="1400" dirty="0"/>
+              <a:t>animal/ plant tissue (live, in culture, frozen, etc)</a:t>
+            </a:r>
+          </a:p>
+          <a:p>
+            <a:pPr lvl="1">
+              <a:lnSpc>
+                <a:spcPct val="100000"/>
+              </a:lnSpc>
+            </a:pPr>
+            <a:r>
+              <a:rPr lang="en-GB" sz="1400" dirty="0"/>
+              <a:t>bacterial / yeast stocks etc </a:t>
+            </a:r>
+          </a:p>
+          <a:p>
+            <a:pPr>
+              <a:lnSpc>
+                <a:spcPct val="120000"/>
+              </a:lnSpc>
+            </a:pPr>
+            <a:r>
+              <a:rPr lang="en-GB" sz="1600" dirty="0"/>
+              <a:t>Quantitative / numerical data: Spreadsheets (tables), csv files</a:t>
+            </a:r>
+          </a:p>
+          <a:p>
+            <a:pPr>
+              <a:lnSpc>
+                <a:spcPct val="120000"/>
+              </a:lnSpc>
+            </a:pPr>
+            <a:r>
+              <a:rPr lang="en-GB" sz="1600" dirty="0"/>
+              <a:t>Images (pictures, microscopy images, 3D scans)</a:t>
+            </a:r>
+          </a:p>
+          <a:p>
+            <a:pPr>
+              <a:lnSpc>
+                <a:spcPct val="120000"/>
+              </a:lnSpc>
+            </a:pPr>
+            <a:r>
+              <a:rPr lang="en-GB" sz="1600" dirty="0"/>
+              <a:t>Code (Software programs, analysis codes, algorithms) </a:t>
+            </a:r>
+          </a:p>
+          <a:p>
+            <a:pPr>
+              <a:lnSpc>
+                <a:spcPct val="120000"/>
+              </a:lnSpc>
+            </a:pPr>
+            <a:r>
+              <a:rPr lang="en-GB" sz="1600" dirty="0"/>
+              <a:t>DNA/RNA sequences (plasmids, sequencing files, etc)</a:t>
+            </a:r>
+          </a:p>
+          <a:p>
+            <a:pPr>
+              <a:lnSpc>
+                <a:spcPct val="120000"/>
+              </a:lnSpc>
+            </a:pPr>
+            <a:r>
+              <a:rPr lang="en-GB" sz="1600" dirty="0"/>
+              <a:t>Protocols (recipes, laboratory and measurement protocols)</a:t>
+            </a:r>
+          </a:p>
+        </p:txBody>
+      </p:sp>
+      <p:pic>
+        <p:nvPicPr>
+          <p:cNvPr id="7" name="Graphic 6" descr="Table outline">
+            <a:extLst>
+              <a:ext uri="{FF2B5EF4-FFF2-40B4-BE49-F238E27FC236}">
+                <a16:creationId xmlns:a16="http://schemas.microsoft.com/office/drawing/2014/main" id="{0F832088-B2E2-A048-B5F5-794E1D20213C}"/>
+              </a:ext>
+            </a:extLst>
+          </p:cNvPr>
+          <p:cNvPicPr>
+            <a:picLocks noChangeAspect="1"/>
+          </p:cNvPicPr>
+          <p:nvPr/>
+        </p:nvPicPr>
+        <p:blipFill>
+          <a:blip r:embed="rId4">
+            <a:extLst>
+              <a:ext uri="{28A0092B-C50C-407E-A947-70E740481C1C}">
+                <a14:useLocalDpi xmlns:a14="http://schemas.microsoft.com/office/drawing/2010/main" val="0"/>
+              </a:ext>
+              <a:ext uri="{96DAC541-7B7A-43D3-8B79-37D633B846F1}">
+                <asvg:svgBlip xmlns:asvg="http://schemas.microsoft.com/office/drawing/2016/SVG/main" r:embed="rId5"/>
+              </a:ext>
+            </a:extLst>
+          </a:blip>
+          <a:stretch>
+            <a:fillRect/>
+          </a:stretch>
+        </p:blipFill>
+        <p:spPr>
+          <a:xfrm>
+            <a:off x="6255567" y="3063687"/>
+            <a:ext cx="2433099" cy="2433099"/>
+          </a:xfrm>
+          <a:prstGeom prst="rect">
+            <a:avLst/>
+          </a:prstGeom>
+        </p:spPr>
+      </p:pic>
+      <p:pic>
+        <p:nvPicPr>
+          <p:cNvPr id="5" name="Graphic 4" descr="Images outline">
+            <a:extLst>
+              <a:ext uri="{FF2B5EF4-FFF2-40B4-BE49-F238E27FC236}">
+                <a16:creationId xmlns:a16="http://schemas.microsoft.com/office/drawing/2014/main" id="{BCA8257A-8846-4546-A55F-E95BF41A0658}"/>
+              </a:ext>
+            </a:extLst>
+          </p:cNvPr>
+          <p:cNvPicPr>
+            <a:picLocks noChangeAspect="1"/>
+          </p:cNvPicPr>
+          <p:nvPr/>
+        </p:nvPicPr>
+        <p:blipFill>
+          <a:blip r:embed="rId6">
+            <a:extLst>
+              <a:ext uri="{28A0092B-C50C-407E-A947-70E740481C1C}">
+                <a14:useLocalDpi xmlns:a14="http://schemas.microsoft.com/office/drawing/2010/main" val="0"/>
+              </a:ext>
+              <a:ext uri="{96DAC541-7B7A-43D3-8B79-37D633B846F1}">
+                <asvg:svgBlip xmlns:asvg="http://schemas.microsoft.com/office/drawing/2016/SVG/main" r:embed="rId7"/>
+              </a:ext>
+            </a:extLst>
+          </a:blip>
+          <a:stretch>
+            <a:fillRect/>
+          </a:stretch>
+        </p:blipFill>
+        <p:spPr>
+          <a:xfrm>
+            <a:off x="9279130" y="1267832"/>
+            <a:ext cx="2135083" cy="2135083"/>
+          </a:xfrm>
+          <a:prstGeom prst="rect">
+            <a:avLst/>
+          </a:prstGeom>
+        </p:spPr>
+      </p:pic>
     </p:spTree>
     <p:extLst>
       <p:ext uri="{BB962C8B-B14F-4D97-AF65-F5344CB8AC3E}">
-        <p14:creationId xmlns:p14="http://schemas.microsoft.com/office/powerpoint/2010/main" val="3565066343"/>
+        <p14:creationId xmlns:p14="http://schemas.microsoft.com/office/powerpoint/2010/main" val="517217346"/>
       </p:ext>
     </p:extLst>
   </p:cSld>
@@ -8541,254 +8818,34 @@
         </p:nvSpPr>
         <p:spPr>
           <a:xfrm>
-            <a:off x="991694" y="435547"/>
-            <a:ext cx="5613822" cy="832285"/>
+            <a:off x="828261" y="2710759"/>
+            <a:ext cx="10515600" cy="1325563"/>
           </a:xfrm>
         </p:spPr>
         <p:txBody>
-          <a:bodyPr anchor="b">
-            <a:normAutofit/>
-          </a:bodyPr>
+          <a:bodyPr/>
           <a:lstStyle/>
           <a:p>
             <a:r>
-              <a:rPr lang="en-GB" sz="4000" dirty="0"/>
-              <a:t>What is data</a:t>
-            </a:r>
+              <a:rPr lang="pl-PL">
+                <a:solidFill>
+                  <a:srgbClr val="0070C0"/>
+                </a:solidFill>
+              </a:rPr>
+              <a:t>But how (not) to share in practice</a:t>
+            </a:r>
+            <a:endParaRPr lang="en-GB">
+              <a:solidFill>
+                <a:srgbClr val="0070C0"/>
+              </a:solidFill>
+            </a:endParaRPr>
           </a:p>
         </p:txBody>
       </p:sp>
-      <p:pic>
-        <p:nvPicPr>
-          <p:cNvPr id="9" name="Graphic 8" descr="Cmd Terminal outline">
-            <a:extLst>
-              <a:ext uri="{FF2B5EF4-FFF2-40B4-BE49-F238E27FC236}">
-                <a16:creationId xmlns:a16="http://schemas.microsoft.com/office/drawing/2014/main" id="{717637AA-34EE-CC49-820A-C3D9BE67B952}"/>
-              </a:ext>
-            </a:extLst>
-          </p:cNvPr>
-          <p:cNvPicPr>
-            <a:picLocks noChangeAspect="1"/>
-          </p:cNvPicPr>
-          <p:nvPr/>
-        </p:nvPicPr>
-        <p:blipFill>
-          <a:blip r:embed="rId2" cstate="hqprint">
-            <a:extLst>
-              <a:ext uri="{28A0092B-C50C-407E-A947-70E740481C1C}">
-                <a14:useLocalDpi xmlns:a14="http://schemas.microsoft.com/office/drawing/2010/main" val="0"/>
-              </a:ext>
-              <a:ext uri="{96DAC541-7B7A-43D3-8B79-37D633B846F1}">
-                <asvg:svgBlip xmlns:asvg="http://schemas.microsoft.com/office/drawing/2016/SVG/main" r:embed="rId3"/>
-              </a:ext>
-            </a:extLst>
-          </a:blip>
-          <a:stretch>
-            <a:fillRect/>
-          </a:stretch>
-        </p:blipFill>
-        <p:spPr>
-          <a:xfrm>
-            <a:off x="7542532" y="843530"/>
-            <a:ext cx="956572" cy="956572"/>
-          </a:xfrm>
-          <a:prstGeom prst="rect">
-            <a:avLst/>
-          </a:prstGeom>
-        </p:spPr>
-      </p:pic>
-      <p:sp>
-        <p:nvSpPr>
-          <p:cNvPr id="3" name="Content Placeholder 2">
-            <a:extLst>
-              <a:ext uri="{FF2B5EF4-FFF2-40B4-BE49-F238E27FC236}">
-                <a16:creationId xmlns:a16="http://schemas.microsoft.com/office/drawing/2014/main" id="{81C9C253-9151-4F30-875B-B69CD1772575}"/>
-              </a:ext>
-            </a:extLst>
-          </p:cNvPr>
-          <p:cNvSpPr>
-            <a:spLocks noGrp="1"/>
-          </p:cNvSpPr>
-          <p:nvPr>
-            <p:ph idx="1"/>
-          </p:nvPr>
-        </p:nvSpPr>
-        <p:spPr>
-          <a:xfrm>
-            <a:off x="991693" y="1267832"/>
-            <a:ext cx="5258180" cy="4584961"/>
-          </a:xfrm>
-        </p:spPr>
-        <p:txBody>
-          <a:bodyPr anchor="t">
-            <a:normAutofit fontScale="85000" lnSpcReduction="20000"/>
-          </a:bodyPr>
-          <a:lstStyle/>
-          <a:p>
-            <a:pPr marL="0" indent="0">
-              <a:lnSpc>
-                <a:spcPct val="120000"/>
-              </a:lnSpc>
-              <a:buNone/>
-            </a:pPr>
-            <a:r>
-              <a:rPr lang="en-GB" sz="2400" dirty="0"/>
-              <a:t>Data does not only mean Excel files with recorded measurements from a machine. </a:t>
-            </a:r>
-          </a:p>
-          <a:p>
-            <a:pPr marL="0" indent="0">
-              <a:lnSpc>
-                <a:spcPct val="120000"/>
-              </a:lnSpc>
-              <a:buNone/>
-            </a:pPr>
-            <a:r>
-              <a:rPr lang="en-GB" sz="3000" b="1" dirty="0"/>
-              <a:t>Data also includes:</a:t>
-            </a:r>
-          </a:p>
-          <a:p>
-            <a:pPr>
-              <a:lnSpc>
-                <a:spcPct val="120000"/>
-              </a:lnSpc>
-            </a:pPr>
-            <a:r>
-              <a:rPr lang="en-GB" sz="2400" dirty="0"/>
-              <a:t>images, not only from microscopes</a:t>
-            </a:r>
-          </a:p>
-          <a:p>
-            <a:pPr>
-              <a:lnSpc>
-                <a:spcPct val="120000"/>
-              </a:lnSpc>
-            </a:pPr>
-            <a:r>
-              <a:rPr lang="en-GB" sz="2400" dirty="0"/>
-              <a:t>information about biological materials, like strain or patient details</a:t>
-            </a:r>
-          </a:p>
-          <a:p>
-            <a:pPr>
-              <a:lnSpc>
-                <a:spcPct val="120000"/>
-              </a:lnSpc>
-            </a:pPr>
-            <a:r>
-              <a:rPr lang="en-GB" sz="2400" dirty="0"/>
-              <a:t>recipes, laboratory and measurement protocols</a:t>
-            </a:r>
-            <a:endParaRPr lang="pl-PL" sz="2400" dirty="0"/>
-          </a:p>
-          <a:p>
-            <a:pPr>
-              <a:lnSpc>
-                <a:spcPct val="120000"/>
-              </a:lnSpc>
-            </a:pPr>
-            <a:r>
-              <a:rPr lang="pl-PL" sz="2400" dirty="0"/>
-              <a:t>models</a:t>
-            </a:r>
-            <a:endParaRPr lang="en-GB" sz="2400" dirty="0"/>
-          </a:p>
-          <a:p>
-            <a:pPr>
-              <a:lnSpc>
-                <a:spcPct val="120000"/>
-              </a:lnSpc>
-            </a:pPr>
-            <a:r>
-              <a:rPr lang="en-GB" sz="2400" dirty="0"/>
-              <a:t>scripts, analysis procedures, and custom software are also considered data</a:t>
-            </a:r>
-          </a:p>
-        </p:txBody>
-      </p:sp>
-      <p:pic>
-        <p:nvPicPr>
-          <p:cNvPr id="7" name="Graphic 6" descr="Table outline">
-            <a:extLst>
-              <a:ext uri="{FF2B5EF4-FFF2-40B4-BE49-F238E27FC236}">
-                <a16:creationId xmlns:a16="http://schemas.microsoft.com/office/drawing/2014/main" id="{0F832088-B2E2-A048-B5F5-794E1D20213C}"/>
-              </a:ext>
-            </a:extLst>
-          </p:cNvPr>
-          <p:cNvPicPr>
-            <a:picLocks noChangeAspect="1"/>
-          </p:cNvPicPr>
-          <p:nvPr/>
-        </p:nvPicPr>
-        <p:blipFill>
-          <a:blip r:embed="rId4">
-            <a:extLst>
-              <a:ext uri="{28A0092B-C50C-407E-A947-70E740481C1C}">
-                <a14:useLocalDpi xmlns:a14="http://schemas.microsoft.com/office/drawing/2010/main" val="0"/>
-              </a:ext>
-              <a:ext uri="{96DAC541-7B7A-43D3-8B79-37D633B846F1}">
-                <asvg:svgBlip xmlns:asvg="http://schemas.microsoft.com/office/drawing/2016/SVG/main" r:embed="rId5"/>
-              </a:ext>
-            </a:extLst>
-          </a:blip>
-          <a:stretch>
-            <a:fillRect/>
-          </a:stretch>
-        </p:blipFill>
-        <p:spPr>
-          <a:xfrm>
-            <a:off x="6255567" y="3063687"/>
-            <a:ext cx="2433099" cy="2433099"/>
-          </a:xfrm>
-          <a:prstGeom prst="rect">
-            <a:avLst/>
-          </a:prstGeom>
-        </p:spPr>
-      </p:pic>
-      <p:pic>
-        <p:nvPicPr>
-          <p:cNvPr id="5" name="Graphic 4" descr="Images outline">
-            <a:extLst>
-              <a:ext uri="{FF2B5EF4-FFF2-40B4-BE49-F238E27FC236}">
-                <a16:creationId xmlns:a16="http://schemas.microsoft.com/office/drawing/2014/main" id="{BCA8257A-8846-4546-A55F-E95BF41A0658}"/>
-              </a:ext>
-            </a:extLst>
-          </p:cNvPr>
-          <p:cNvPicPr>
-            <a:picLocks noChangeAspect="1"/>
-          </p:cNvPicPr>
-          <p:nvPr/>
-        </p:nvPicPr>
-        <p:blipFill>
-          <a:blip r:embed="rId6">
-            <a:extLst>
-              <a:ext uri="{28A0092B-C50C-407E-A947-70E740481C1C}">
-                <a14:useLocalDpi xmlns:a14="http://schemas.microsoft.com/office/drawing/2010/main" val="0"/>
-              </a:ext>
-              <a:ext uri="{96DAC541-7B7A-43D3-8B79-37D633B846F1}">
-                <asvg:svgBlip xmlns:asvg="http://schemas.microsoft.com/office/drawing/2016/SVG/main" r:embed="rId7"/>
-              </a:ext>
-            </a:extLst>
-          </a:blip>
-          <a:stretch>
-            <a:fillRect/>
-          </a:stretch>
-        </p:blipFill>
-        <p:spPr>
-          <a:xfrm>
-            <a:off x="9279130" y="1267832"/>
-            <a:ext cx="2135083" cy="2135083"/>
-          </a:xfrm>
-          <a:prstGeom prst="rect">
-            <a:avLst/>
-          </a:prstGeom>
-        </p:spPr>
-      </p:pic>
     </p:spTree>
     <p:extLst>
       <p:ext uri="{BB962C8B-B14F-4D97-AF65-F5344CB8AC3E}">
-        <p14:creationId xmlns:p14="http://schemas.microsoft.com/office/powerpoint/2010/main" val="517217346"/>
+        <p14:creationId xmlns:p14="http://schemas.microsoft.com/office/powerpoint/2010/main" val="3565066343"/>
       </p:ext>
     </p:extLst>
   </p:cSld>
